--- a/Bank Marketing Campaign - Final.pptx
+++ b/Bank Marketing Campaign - Final.pptx
@@ -19,7 +19,12 @@
     <p:sldId id="290" r:id="rId13"/>
     <p:sldId id="291" r:id="rId14"/>
     <p:sldId id="272" r:id="rId15"/>
-    <p:sldId id="281" r:id="rId16"/>
+    <p:sldId id="293" r:id="rId16"/>
+    <p:sldId id="294" r:id="rId17"/>
+    <p:sldId id="295" r:id="rId18"/>
+    <p:sldId id="296" r:id="rId19"/>
+    <p:sldId id="292" r:id="rId20"/>
+    <p:sldId id="281" r:id="rId21"/>
   </p:sldIdLst>
   <p:sldSz cx="12192000" cy="6858000"/>
   <p:notesSz cx="6858000" cy="9144000"/>
@@ -284,7 +289,7 @@
           <a:p>
             <a:fld id="{6EECE964-F870-0E41-9FE5-38142943DD71}" type="datetimeFigureOut">
               <a:rPr lang="en-US" smtClean="0"/>
-              <a:t>4/15/24</a:t>
+              <a:t>4/29/24</a:t>
             </a:fld>
             <a:endParaRPr lang="en-US"/>
           </a:p>
@@ -482,7 +487,7 @@
           <a:p>
             <a:fld id="{6EECE964-F870-0E41-9FE5-38142943DD71}" type="datetimeFigureOut">
               <a:rPr lang="en-US" smtClean="0"/>
-              <a:t>4/15/24</a:t>
+              <a:t>4/29/24</a:t>
             </a:fld>
             <a:endParaRPr lang="en-US"/>
           </a:p>
@@ -690,7 +695,7 @@
           <a:p>
             <a:fld id="{6EECE964-F870-0E41-9FE5-38142943DD71}" type="datetimeFigureOut">
               <a:rPr lang="en-US" smtClean="0"/>
-              <a:t>4/15/24</a:t>
+              <a:t>4/29/24</a:t>
             </a:fld>
             <a:endParaRPr lang="en-US"/>
           </a:p>
@@ -888,7 +893,7 @@
           <a:p>
             <a:fld id="{6EECE964-F870-0E41-9FE5-38142943DD71}" type="datetimeFigureOut">
               <a:rPr lang="en-US" smtClean="0"/>
-              <a:t>4/15/24</a:t>
+              <a:t>4/29/24</a:t>
             </a:fld>
             <a:endParaRPr lang="en-US"/>
           </a:p>
@@ -1163,7 +1168,7 @@
           <a:p>
             <a:fld id="{6EECE964-F870-0E41-9FE5-38142943DD71}" type="datetimeFigureOut">
               <a:rPr lang="en-US" smtClean="0"/>
-              <a:t>4/15/24</a:t>
+              <a:t>4/29/24</a:t>
             </a:fld>
             <a:endParaRPr lang="en-US"/>
           </a:p>
@@ -1428,7 +1433,7 @@
           <a:p>
             <a:fld id="{6EECE964-F870-0E41-9FE5-38142943DD71}" type="datetimeFigureOut">
               <a:rPr lang="en-US" smtClean="0"/>
-              <a:t>4/15/24</a:t>
+              <a:t>4/29/24</a:t>
             </a:fld>
             <a:endParaRPr lang="en-US"/>
           </a:p>
@@ -1840,7 +1845,7 @@
           <a:p>
             <a:fld id="{6EECE964-F870-0E41-9FE5-38142943DD71}" type="datetimeFigureOut">
               <a:rPr lang="en-US" smtClean="0"/>
-              <a:t>4/15/24</a:t>
+              <a:t>4/29/24</a:t>
             </a:fld>
             <a:endParaRPr lang="en-US"/>
           </a:p>
@@ -1981,7 +1986,7 @@
           <a:p>
             <a:fld id="{6EECE964-F870-0E41-9FE5-38142943DD71}" type="datetimeFigureOut">
               <a:rPr lang="en-US" smtClean="0"/>
-              <a:t>4/15/24</a:t>
+              <a:t>4/29/24</a:t>
             </a:fld>
             <a:endParaRPr lang="en-US"/>
           </a:p>
@@ -2094,7 +2099,7 @@
           <a:p>
             <a:fld id="{6EECE964-F870-0E41-9FE5-38142943DD71}" type="datetimeFigureOut">
               <a:rPr lang="en-US" smtClean="0"/>
-              <a:t>4/15/24</a:t>
+              <a:t>4/29/24</a:t>
             </a:fld>
             <a:endParaRPr lang="en-US"/>
           </a:p>
@@ -2405,7 +2410,7 @@
           <a:p>
             <a:fld id="{6EECE964-F870-0E41-9FE5-38142943DD71}" type="datetimeFigureOut">
               <a:rPr lang="en-US" smtClean="0"/>
-              <a:t>4/15/24</a:t>
+              <a:t>4/29/24</a:t>
             </a:fld>
             <a:endParaRPr lang="en-US"/>
           </a:p>
@@ -2693,7 +2698,7 @@
           <a:p>
             <a:fld id="{6EECE964-F870-0E41-9FE5-38142943DD71}" type="datetimeFigureOut">
               <a:rPr lang="en-US" smtClean="0"/>
-              <a:t>4/15/24</a:t>
+              <a:t>4/29/24</a:t>
             </a:fld>
             <a:endParaRPr lang="en-US"/>
           </a:p>
@@ -2934,7 +2939,7 @@
           <a:p>
             <a:fld id="{6EECE964-F870-0E41-9FE5-38142943DD71}" type="datetimeFigureOut">
               <a:rPr lang="en-US" smtClean="0"/>
-              <a:t>4/15/24</a:t>
+              <a:t>4/29/24</a:t>
             </a:fld>
             <a:endParaRPr lang="en-US"/>
           </a:p>
@@ -3467,13 +3472,18 @@
           </a:p>
           <a:p>
             <a:r>
-              <a:rPr lang="en-US" sz="2500" dirty="0">
+              <a:rPr lang="en-US" sz="2500">
                 <a:solidFill>
                   <a:srgbClr val="FF6600"/>
                 </a:solidFill>
               </a:rPr>
-              <a:t>15-Apr-2024</a:t>
-            </a:r>
+              <a:t>29-Apr-2024</a:t>
+            </a:r>
+            <a:endParaRPr lang="en-US" sz="2500" dirty="0">
+              <a:solidFill>
+                <a:srgbClr val="FF6600"/>
+              </a:solidFill>
+            </a:endParaRPr>
           </a:p>
         </p:txBody>
       </p:sp>
@@ -4310,54 +4320,6 @@
       </p:grpSpPr>
       <p:sp>
         <p:nvSpPr>
-          <p:cNvPr id="9" name="TextBox 8">
-            <a:extLst>
-              <a:ext uri="{FF2B5EF4-FFF2-40B4-BE49-F238E27FC236}">
-                <a16:creationId xmlns:a16="http://schemas.microsoft.com/office/drawing/2014/main" id="{0087AA53-A2BE-554B-AAE4-C6D527006499}"/>
-              </a:ext>
-            </a:extLst>
-          </p:cNvPr>
-          <p:cNvSpPr txBox="1"/>
-          <p:nvPr/>
-        </p:nvSpPr>
-        <p:spPr>
-          <a:xfrm>
-            <a:off x="762000" y="1595021"/>
-            <a:ext cx="10706100" cy="1711366"/>
-          </a:xfrm>
-          <a:prstGeom prst="rect">
-            <a:avLst/>
-          </a:prstGeom>
-          <a:noFill/>
-        </p:spPr>
-        <p:txBody>
-          <a:bodyPr wrap="square" rtlCol="0">
-            <a:spAutoFit/>
-          </a:bodyPr>
-          <a:lstStyle/>
-          <a:p>
-            <a:pPr>
-              <a:lnSpc>
-                <a:spcPct val="150000"/>
-              </a:lnSpc>
-            </a:pPr>
-            <a:r>
-              <a:rPr lang="en-US" dirty="0"/>
-              <a:t>I have encoded categorical data for all columns except 'y' because I believe the column is ordered. After analyzing the heatmap, I believe the best model for this type of data would be a decision tree or random forest model. Feature selection should also be considered so that other ensemble models like </a:t>
-            </a:r>
-            <a:r>
-              <a:rPr lang="en-US" dirty="0" err="1"/>
-              <a:t>XGBoost</a:t>
-            </a:r>
-            <a:r>
-              <a:rPr lang="en-US" dirty="0"/>
-              <a:t> can be utilized. The heatmap can be accessed through the following link due to its large size. </a:t>
-            </a:r>
-          </a:p>
-        </p:txBody>
-      </p:sp>
-      <p:sp>
-        <p:nvSpPr>
           <p:cNvPr id="4" name="Rectangle 3">
             <a:extLst>
               <a:ext uri="{FF2B5EF4-FFF2-40B4-BE49-F238E27FC236}">
@@ -4418,7 +4380,105 @@
                 </a:solidFill>
                 <a:latin typeface="+mj-lt"/>
               </a:rPr>
-              <a:t>Recommendations</a:t>
+              <a:t>Solutions</a:t>
+            </a:r>
+          </a:p>
+        </p:txBody>
+      </p:sp>
+      <p:sp>
+        <p:nvSpPr>
+          <p:cNvPr id="2" name="TextBox 1">
+            <a:extLst>
+              <a:ext uri="{FF2B5EF4-FFF2-40B4-BE49-F238E27FC236}">
+                <a16:creationId xmlns:a16="http://schemas.microsoft.com/office/drawing/2014/main" id="{5DDE8820-F0CF-5EE0-1221-9CAED0CF808A}"/>
+              </a:ext>
+            </a:extLst>
+          </p:cNvPr>
+          <p:cNvSpPr txBox="1"/>
+          <p:nvPr/>
+        </p:nvSpPr>
+        <p:spPr>
+          <a:xfrm>
+            <a:off x="336176" y="1896035"/>
+            <a:ext cx="11362765" cy="2585323"/>
+          </a:xfrm>
+          <a:prstGeom prst="rect">
+            <a:avLst/>
+          </a:prstGeom>
+          <a:noFill/>
+        </p:spPr>
+        <p:txBody>
+          <a:bodyPr wrap="square" rtlCol="0">
+            <a:spAutoFit/>
+          </a:bodyPr>
+          <a:lstStyle/>
+          <a:p>
+            <a:r>
+              <a:rPr lang="en-US" dirty="0"/>
+              <a:t>The preprocessing steps included:</a:t>
+            </a:r>
+          </a:p>
+          <a:p>
+            <a:endParaRPr lang="en-US" dirty="0"/>
+          </a:p>
+          <a:p>
+            <a:pPr marL="342900" indent="-342900">
+              <a:buFont typeface="+mj-lt"/>
+              <a:buAutoNum type="arabicPeriod"/>
+            </a:pPr>
+            <a:r>
+              <a:rPr lang="en-US" dirty="0"/>
+              <a:t>Null value inspection.</a:t>
+            </a:r>
+          </a:p>
+          <a:p>
+            <a:pPr marL="342900" indent="-342900">
+              <a:buFont typeface="+mj-lt"/>
+              <a:buAutoNum type="arabicPeriod"/>
+            </a:pPr>
+            <a:r>
+              <a:rPr lang="en-US" dirty="0"/>
+              <a:t>Data type conversion.</a:t>
+            </a:r>
+          </a:p>
+          <a:p>
+            <a:pPr marL="342900" indent="-342900">
+              <a:buFont typeface="+mj-lt"/>
+              <a:buAutoNum type="arabicPeriod"/>
+            </a:pPr>
+            <a:r>
+              <a:rPr lang="en-US" dirty="0"/>
+              <a:t>Column selection.</a:t>
+            </a:r>
+          </a:p>
+          <a:p>
+            <a:pPr marL="342900" indent="-342900">
+              <a:buFont typeface="+mj-lt"/>
+              <a:buAutoNum type="arabicPeriod"/>
+            </a:pPr>
+            <a:r>
+              <a:rPr lang="en-US" dirty="0"/>
+              <a:t>Skewness examination and outlier removal for the "age" feature.</a:t>
+            </a:r>
+          </a:p>
+          <a:p>
+            <a:pPr marL="342900" indent="-342900">
+              <a:buFont typeface="+mj-lt"/>
+              <a:buAutoNum type="arabicPeriod"/>
+            </a:pPr>
+            <a:r>
+              <a:rPr lang="en-US" dirty="0"/>
+              <a:t>Categorical data encoding: 'yes' replaced with 1, 'unknown' with 0, and 'no' with -1 for the ['default', 'housing', 'loan'] columns; while employing One-Hot-Encoding for other columns due to their unordered nature.</a:t>
+            </a:r>
+          </a:p>
+          <a:p>
+            <a:pPr marL="342900" indent="-342900">
+              <a:buFont typeface="+mj-lt"/>
+              <a:buAutoNum type="arabicPeriod"/>
+            </a:pPr>
+            <a:r>
+              <a:rPr lang="en-US" dirty="0"/>
+              <a:t>Normalization to expedite convergence.</a:t>
             </a:r>
           </a:p>
         </p:txBody>
@@ -4455,56 +4515,10 @@
       </p:grpSpPr>
       <p:sp>
         <p:nvSpPr>
-          <p:cNvPr id="6" name="Subtitle 5">
-            <a:extLst>
-              <a:ext uri="{FF2B5EF4-FFF2-40B4-BE49-F238E27FC236}">
-                <a16:creationId xmlns:a16="http://schemas.microsoft.com/office/drawing/2014/main" id="{2D4BA697-580E-5544-8F2F-194AD99B859F}"/>
-              </a:ext>
-            </a:extLst>
-          </p:cNvPr>
-          <p:cNvSpPr>
-            <a:spLocks noGrp="1"/>
-          </p:cNvSpPr>
-          <p:nvPr>
-            <p:ph type="subTitle" idx="1"/>
-          </p:nvPr>
-        </p:nvSpPr>
-        <p:spPr>
-          <a:xfrm>
-            <a:off x="5872480" y="2601119"/>
-            <a:ext cx="5558973" cy="1655762"/>
-          </a:xfrm>
-        </p:spPr>
-        <p:txBody>
-          <a:bodyPr>
-            <a:normAutofit/>
-          </a:bodyPr>
-          <a:lstStyle/>
-          <a:p>
-            <a:r>
-              <a:rPr lang="en-US" sz="6600" dirty="0">
-                <a:solidFill>
-                  <a:srgbClr val="FF6600"/>
-                </a:solidFill>
-              </a:rPr>
-              <a:t>Thank You</a:t>
-            </a:r>
-          </a:p>
-          <a:p>
-            <a:endParaRPr lang="en-US" sz="6600" dirty="0">
-              <a:solidFill>
-                <a:srgbClr val="FF6600"/>
-              </a:solidFill>
-            </a:endParaRPr>
-          </a:p>
-        </p:txBody>
-      </p:sp>
-      <p:sp>
-        <p:nvSpPr>
-          <p:cNvPr id="3" name="Rectangle 2">
-            <a:extLst>
-              <a:ext uri="{FF2B5EF4-FFF2-40B4-BE49-F238E27FC236}">
-                <a16:creationId xmlns:a16="http://schemas.microsoft.com/office/drawing/2014/main" id="{49C08CB0-2E68-164C-9080-887E2D20B522}"/>
+          <p:cNvPr id="4" name="Rectangle 3">
+            <a:extLst>
+              <a:ext uri="{FF2B5EF4-FFF2-40B4-BE49-F238E27FC236}">
+                <a16:creationId xmlns:a16="http://schemas.microsoft.com/office/drawing/2014/main" id="{B2BD046D-D4D3-5C48-9D68-AE42423390A9}"/>
               </a:ext>
             </a:extLst>
           </p:cNvPr>
@@ -4514,7 +4528,7 @@
         <p:spPr>
           <a:xfrm>
             <a:off x="0" y="0"/>
-            <a:ext cx="5872480" cy="6858000"/>
+            <a:ext cx="12192000" cy="1383912"/>
           </a:xfrm>
           <a:prstGeom prst="rect">
             <a:avLst/>
@@ -4545,17 +4559,105 @@
           <a:bodyPr rtlCol="0" anchor="ctr"/>
           <a:lstStyle/>
           <a:p>
-            <a:pPr algn="ctr"/>
-            <a:endParaRPr lang="en-US"/>
+            <a:r>
+              <a:rPr lang="en-US" sz="4400" dirty="0">
+                <a:solidFill>
+                  <a:schemeClr val="accent2"/>
+                </a:solidFill>
+                <a:latin typeface="+mj-lt"/>
+              </a:rPr>
+              <a:t>      ML </a:t>
+            </a:r>
+            <a:r>
+              <a:rPr lang="en-US" sz="4400" b="1" dirty="0">
+                <a:solidFill>
+                  <a:schemeClr val="accent2"/>
+                </a:solidFill>
+                <a:latin typeface="+mj-lt"/>
+              </a:rPr>
+              <a:t>Solutions</a:t>
+            </a:r>
+          </a:p>
+        </p:txBody>
+      </p:sp>
+      <p:sp>
+        <p:nvSpPr>
+          <p:cNvPr id="2" name="TextBox 1">
+            <a:extLst>
+              <a:ext uri="{FF2B5EF4-FFF2-40B4-BE49-F238E27FC236}">
+                <a16:creationId xmlns:a16="http://schemas.microsoft.com/office/drawing/2014/main" id="{5DDE8820-F0CF-5EE0-1221-9CAED0CF808A}"/>
+              </a:ext>
+            </a:extLst>
+          </p:cNvPr>
+          <p:cNvSpPr txBox="1"/>
+          <p:nvPr/>
+        </p:nvSpPr>
+        <p:spPr>
+          <a:xfrm>
+            <a:off x="414617" y="1760124"/>
+            <a:ext cx="11362765" cy="1754326"/>
+          </a:xfrm>
+          <a:prstGeom prst="rect">
+            <a:avLst/>
+          </a:prstGeom>
+          <a:noFill/>
+        </p:spPr>
+        <p:txBody>
+          <a:bodyPr wrap="square" rtlCol="0">
+            <a:spAutoFit/>
+          </a:bodyPr>
+          <a:lstStyle/>
+          <a:p>
+            <a:r>
+              <a:rPr lang="en-ID" dirty="0">
+                <a:effectLst/>
+              </a:rPr>
+              <a:t>The </a:t>
+            </a:r>
+            <a:r>
+              <a:rPr lang="en-ID" dirty="0" err="1">
+                <a:effectLst/>
+              </a:rPr>
+              <a:t>modeling</a:t>
+            </a:r>
+            <a:r>
+              <a:rPr lang="en-ID" dirty="0">
+                <a:effectLst/>
+              </a:rPr>
+              <a:t> process was conducted in two stages, where both "duration" and non-"duration" scenarios were explored. </a:t>
+            </a:r>
+          </a:p>
+          <a:p>
+            <a:endParaRPr lang="en-ID" dirty="0"/>
+          </a:p>
+          <a:p>
+            <a:r>
+              <a:rPr lang="en-ID" dirty="0">
+                <a:effectLst/>
+              </a:rPr>
+              <a:t>For models involving the "duration" feature, Decision Tree, Random Forest, Linear Support Vector Machine (SVM), </a:t>
+            </a:r>
+            <a:r>
+              <a:rPr lang="en-ID" dirty="0" err="1">
+                <a:effectLst/>
+              </a:rPr>
+              <a:t>XGBoost</a:t>
+            </a:r>
+            <a:r>
+              <a:rPr lang="en-ID" dirty="0">
+                <a:effectLst/>
+              </a:rPr>
+              <a:t>, and Gradient Boosting algorithms were employed. Upon utilizing default parameters, the best-performing model produced the following results:</a:t>
+            </a:r>
           </a:p>
         </p:txBody>
       </p:sp>
       <p:pic>
         <p:nvPicPr>
-          <p:cNvPr id="7" name="Picture 6">
-            <a:extLst>
-              <a:ext uri="{FF2B5EF4-FFF2-40B4-BE49-F238E27FC236}">
-                <a16:creationId xmlns:a16="http://schemas.microsoft.com/office/drawing/2014/main" id="{B067532E-7508-4245-8E91-38CA363A61A7}"/>
+          <p:cNvPr id="3" name="Picture 2">
+            <a:extLst>
+              <a:ext uri="{FF2B5EF4-FFF2-40B4-BE49-F238E27FC236}">
+                <a16:creationId xmlns:a16="http://schemas.microsoft.com/office/drawing/2014/main" id="{231FAADC-9EF1-B3AB-A5BF-5E96D047635E}"/>
               </a:ext>
             </a:extLst>
           </p:cNvPr>
@@ -4566,13 +4668,14 @@
         </p:nvPicPr>
         <p:blipFill>
           <a:blip r:embed="rId2"/>
-          <a:srcRect/>
-          <a:stretch/>
+          <a:stretch>
+            <a:fillRect/>
+          </a:stretch>
         </p:blipFill>
         <p:spPr>
           <a:xfrm>
-            <a:off x="312890" y="5542671"/>
-            <a:ext cx="1698790" cy="1698790"/>
+            <a:off x="4260849" y="3812728"/>
+            <a:ext cx="3670300" cy="1689100"/>
           </a:xfrm>
           <a:prstGeom prst="rect">
             <a:avLst/>
@@ -4582,7 +4685,915 @@
     </p:spTree>
     <p:extLst>
       <p:ext uri="{BB962C8B-B14F-4D97-AF65-F5344CB8AC3E}">
-        <p14:creationId xmlns:p14="http://schemas.microsoft.com/office/powerpoint/2010/main" val="1067902553"/>
+        <p14:creationId xmlns:p14="http://schemas.microsoft.com/office/powerpoint/2010/main" val="86528177"/>
+      </p:ext>
+    </p:extLst>
+  </p:cSld>
+  <p:clrMapOvr>
+    <a:masterClrMapping/>
+  </p:clrMapOvr>
+</p:sld>
+</file>
+
+<file path=ppt/slides/slide16.xml><?xml version="1.0" encoding="utf-8"?>
+<p:sld xmlns:a="http://schemas.openxmlformats.org/drawingml/2006/main" xmlns:r="http://schemas.openxmlformats.org/officeDocument/2006/relationships" xmlns:p="http://schemas.openxmlformats.org/presentationml/2006/main">
+  <p:cSld>
+    <p:spTree>
+      <p:nvGrpSpPr>
+        <p:cNvPr id="1" name=""/>
+        <p:cNvGrpSpPr/>
+        <p:nvPr/>
+      </p:nvGrpSpPr>
+      <p:grpSpPr>
+        <a:xfrm>
+          <a:off x="0" y="0"/>
+          <a:ext cx="0" cy="0"/>
+          <a:chOff x="0" y="0"/>
+          <a:chExt cx="0" cy="0"/>
+        </a:xfrm>
+      </p:grpSpPr>
+      <p:sp>
+        <p:nvSpPr>
+          <p:cNvPr id="4" name="Rectangle 3">
+            <a:extLst>
+              <a:ext uri="{FF2B5EF4-FFF2-40B4-BE49-F238E27FC236}">
+                <a16:creationId xmlns:a16="http://schemas.microsoft.com/office/drawing/2014/main" id="{B2BD046D-D4D3-5C48-9D68-AE42423390A9}"/>
+              </a:ext>
+            </a:extLst>
+          </p:cNvPr>
+          <p:cNvSpPr/>
+          <p:nvPr/>
+        </p:nvSpPr>
+        <p:spPr>
+          <a:xfrm>
+            <a:off x="0" y="0"/>
+            <a:ext cx="12192000" cy="1383912"/>
+          </a:xfrm>
+          <a:prstGeom prst="rect">
+            <a:avLst/>
+          </a:prstGeom>
+          <a:solidFill>
+            <a:schemeClr val="bg2">
+              <a:lumMod val="25000"/>
+            </a:schemeClr>
+          </a:solidFill>
+        </p:spPr>
+        <p:style>
+          <a:lnRef idx="2">
+            <a:schemeClr val="accent1">
+              <a:shade val="50000"/>
+            </a:schemeClr>
+          </a:lnRef>
+          <a:fillRef idx="1">
+            <a:schemeClr val="accent1"/>
+          </a:fillRef>
+          <a:effectRef idx="0">
+            <a:schemeClr val="accent1"/>
+          </a:effectRef>
+          <a:fontRef idx="minor">
+            <a:schemeClr val="lt1"/>
+          </a:fontRef>
+        </p:style>
+        <p:txBody>
+          <a:bodyPr rtlCol="0" anchor="ctr"/>
+          <a:lstStyle/>
+          <a:p>
+            <a:r>
+              <a:rPr lang="en-US" sz="4400" dirty="0">
+                <a:solidFill>
+                  <a:schemeClr val="accent2"/>
+                </a:solidFill>
+                <a:latin typeface="+mj-lt"/>
+              </a:rPr>
+              <a:t>      ML </a:t>
+            </a:r>
+            <a:r>
+              <a:rPr lang="en-US" sz="4400" b="1" dirty="0">
+                <a:solidFill>
+                  <a:schemeClr val="accent2"/>
+                </a:solidFill>
+                <a:latin typeface="+mj-lt"/>
+              </a:rPr>
+              <a:t>Solutions</a:t>
+            </a:r>
+          </a:p>
+        </p:txBody>
+      </p:sp>
+      <p:sp>
+        <p:nvSpPr>
+          <p:cNvPr id="2" name="TextBox 1">
+            <a:extLst>
+              <a:ext uri="{FF2B5EF4-FFF2-40B4-BE49-F238E27FC236}">
+                <a16:creationId xmlns:a16="http://schemas.microsoft.com/office/drawing/2014/main" id="{5DDE8820-F0CF-5EE0-1221-9CAED0CF808A}"/>
+              </a:ext>
+            </a:extLst>
+          </p:cNvPr>
+          <p:cNvSpPr txBox="1"/>
+          <p:nvPr/>
+        </p:nvSpPr>
+        <p:spPr>
+          <a:xfrm>
+            <a:off x="414617" y="1760124"/>
+            <a:ext cx="11362765" cy="369332"/>
+          </a:xfrm>
+          <a:prstGeom prst="rect">
+            <a:avLst/>
+          </a:prstGeom>
+          <a:noFill/>
+        </p:spPr>
+        <p:txBody>
+          <a:bodyPr wrap="square" rtlCol="0">
+            <a:spAutoFit/>
+          </a:bodyPr>
+          <a:lstStyle/>
+          <a:p>
+            <a:r>
+              <a:rPr lang="en-ID" dirty="0">
+                <a:effectLst/>
+              </a:rPr>
+              <a:t>For the model without the "duration" feature, employing the same set of algorithms, the outcomes were as follows:</a:t>
+            </a:r>
+          </a:p>
+        </p:txBody>
+      </p:sp>
+      <p:pic>
+        <p:nvPicPr>
+          <p:cNvPr id="5" name="Picture 4">
+            <a:extLst>
+              <a:ext uri="{FF2B5EF4-FFF2-40B4-BE49-F238E27FC236}">
+                <a16:creationId xmlns:a16="http://schemas.microsoft.com/office/drawing/2014/main" id="{884B95B7-0C98-19AB-94F5-85D8BCA431E6}"/>
+              </a:ext>
+            </a:extLst>
+          </p:cNvPr>
+          <p:cNvPicPr>
+            <a:picLocks noChangeAspect="1"/>
+          </p:cNvPicPr>
+          <p:nvPr/>
+        </p:nvPicPr>
+        <p:blipFill>
+          <a:blip r:embed="rId2"/>
+          <a:stretch>
+            <a:fillRect/>
+          </a:stretch>
+        </p:blipFill>
+        <p:spPr>
+          <a:xfrm>
+            <a:off x="4260849" y="2505668"/>
+            <a:ext cx="3670300" cy="1689100"/>
+          </a:xfrm>
+          <a:prstGeom prst="rect">
+            <a:avLst/>
+          </a:prstGeom>
+        </p:spPr>
+      </p:pic>
+      <p:sp>
+        <p:nvSpPr>
+          <p:cNvPr id="6" name="TextBox 5">
+            <a:extLst>
+              <a:ext uri="{FF2B5EF4-FFF2-40B4-BE49-F238E27FC236}">
+                <a16:creationId xmlns:a16="http://schemas.microsoft.com/office/drawing/2014/main" id="{A89566E1-BCC8-F921-1998-BE034403B39A}"/>
+              </a:ext>
+            </a:extLst>
+          </p:cNvPr>
+          <p:cNvSpPr txBox="1"/>
+          <p:nvPr/>
+        </p:nvSpPr>
+        <p:spPr>
+          <a:xfrm>
+            <a:off x="414616" y="4543879"/>
+            <a:ext cx="11362765" cy="923330"/>
+          </a:xfrm>
+          <a:prstGeom prst="rect">
+            <a:avLst/>
+          </a:prstGeom>
+          <a:noFill/>
+        </p:spPr>
+        <p:txBody>
+          <a:bodyPr wrap="square" rtlCol="0">
+            <a:spAutoFit/>
+          </a:bodyPr>
+          <a:lstStyle/>
+          <a:p>
+            <a:r>
+              <a:rPr lang="en-ID" dirty="0">
+                <a:effectLst/>
+              </a:rPr>
+              <a:t>The exclusion of the "duration" feature from the analysis was deliberate, as its inclusion would have added complexity to the process. Additionally, "duration" is only ascertainable post-call. Among the models evaluated, SVM emerged as the top performer. Consequently, the next step involved parameter tuning specifically for the SVM algorithm.</a:t>
+            </a:r>
+          </a:p>
+        </p:txBody>
+      </p:sp>
+    </p:spTree>
+    <p:extLst>
+      <p:ext uri="{BB962C8B-B14F-4D97-AF65-F5344CB8AC3E}">
+        <p14:creationId xmlns:p14="http://schemas.microsoft.com/office/powerpoint/2010/main" val="4238731612"/>
+      </p:ext>
+    </p:extLst>
+  </p:cSld>
+  <p:clrMapOvr>
+    <a:masterClrMapping/>
+  </p:clrMapOvr>
+</p:sld>
+</file>
+
+<file path=ppt/slides/slide17.xml><?xml version="1.0" encoding="utf-8"?>
+<p:sld xmlns:a="http://schemas.openxmlformats.org/drawingml/2006/main" xmlns:r="http://schemas.openxmlformats.org/officeDocument/2006/relationships" xmlns:p="http://schemas.openxmlformats.org/presentationml/2006/main">
+  <p:cSld>
+    <p:spTree>
+      <p:nvGrpSpPr>
+        <p:cNvPr id="1" name=""/>
+        <p:cNvGrpSpPr/>
+        <p:nvPr/>
+      </p:nvGrpSpPr>
+      <p:grpSpPr>
+        <a:xfrm>
+          <a:off x="0" y="0"/>
+          <a:ext cx="0" cy="0"/>
+          <a:chOff x="0" y="0"/>
+          <a:chExt cx="0" cy="0"/>
+        </a:xfrm>
+      </p:grpSpPr>
+      <p:sp>
+        <p:nvSpPr>
+          <p:cNvPr id="4" name="Rectangle 3">
+            <a:extLst>
+              <a:ext uri="{FF2B5EF4-FFF2-40B4-BE49-F238E27FC236}">
+                <a16:creationId xmlns:a16="http://schemas.microsoft.com/office/drawing/2014/main" id="{B2BD046D-D4D3-5C48-9D68-AE42423390A9}"/>
+              </a:ext>
+            </a:extLst>
+          </p:cNvPr>
+          <p:cNvSpPr/>
+          <p:nvPr/>
+        </p:nvSpPr>
+        <p:spPr>
+          <a:xfrm>
+            <a:off x="0" y="0"/>
+            <a:ext cx="12192000" cy="1383912"/>
+          </a:xfrm>
+          <a:prstGeom prst="rect">
+            <a:avLst/>
+          </a:prstGeom>
+          <a:solidFill>
+            <a:schemeClr val="bg2">
+              <a:lumMod val="25000"/>
+            </a:schemeClr>
+          </a:solidFill>
+        </p:spPr>
+        <p:style>
+          <a:lnRef idx="2">
+            <a:schemeClr val="accent1">
+              <a:shade val="50000"/>
+            </a:schemeClr>
+          </a:lnRef>
+          <a:fillRef idx="1">
+            <a:schemeClr val="accent1"/>
+          </a:fillRef>
+          <a:effectRef idx="0">
+            <a:schemeClr val="accent1"/>
+          </a:effectRef>
+          <a:fontRef idx="minor">
+            <a:schemeClr val="lt1"/>
+          </a:fontRef>
+        </p:style>
+        <p:txBody>
+          <a:bodyPr rtlCol="0" anchor="ctr"/>
+          <a:lstStyle/>
+          <a:p>
+            <a:r>
+              <a:rPr lang="en-US" sz="4400" dirty="0">
+                <a:solidFill>
+                  <a:schemeClr val="accent2"/>
+                </a:solidFill>
+                <a:latin typeface="+mj-lt"/>
+              </a:rPr>
+              <a:t>      ML </a:t>
+            </a:r>
+            <a:r>
+              <a:rPr lang="en-US" sz="4400" b="1" dirty="0">
+                <a:solidFill>
+                  <a:schemeClr val="accent2"/>
+                </a:solidFill>
+                <a:latin typeface="+mj-lt"/>
+              </a:rPr>
+              <a:t>Solutions</a:t>
+            </a:r>
+          </a:p>
+        </p:txBody>
+      </p:sp>
+      <p:sp>
+        <p:nvSpPr>
+          <p:cNvPr id="2" name="TextBox 1">
+            <a:extLst>
+              <a:ext uri="{FF2B5EF4-FFF2-40B4-BE49-F238E27FC236}">
+                <a16:creationId xmlns:a16="http://schemas.microsoft.com/office/drawing/2014/main" id="{5DDE8820-F0CF-5EE0-1221-9CAED0CF808A}"/>
+              </a:ext>
+            </a:extLst>
+          </p:cNvPr>
+          <p:cNvSpPr txBox="1"/>
+          <p:nvPr/>
+        </p:nvSpPr>
+        <p:spPr>
+          <a:xfrm>
+            <a:off x="414617" y="1760124"/>
+            <a:ext cx="11362765" cy="369332"/>
+          </a:xfrm>
+          <a:prstGeom prst="rect">
+            <a:avLst/>
+          </a:prstGeom>
+          <a:noFill/>
+        </p:spPr>
+        <p:txBody>
+          <a:bodyPr wrap="square" rtlCol="0">
+            <a:spAutoFit/>
+          </a:bodyPr>
+          <a:lstStyle/>
+          <a:p>
+            <a:r>
+              <a:rPr lang="en-ID" dirty="0">
+                <a:effectLst/>
+              </a:rPr>
+              <a:t>The parameters utilized in the hyperparameter tuning process are:</a:t>
+            </a:r>
+          </a:p>
+        </p:txBody>
+      </p:sp>
+      <p:graphicFrame>
+        <p:nvGraphicFramePr>
+          <p:cNvPr id="3" name="Table 2">
+            <a:extLst>
+              <a:ext uri="{FF2B5EF4-FFF2-40B4-BE49-F238E27FC236}">
+                <a16:creationId xmlns:a16="http://schemas.microsoft.com/office/drawing/2014/main" id="{84E39E8B-4448-E95C-98A6-B1AF38E4FA50}"/>
+              </a:ext>
+            </a:extLst>
+          </p:cNvPr>
+          <p:cNvGraphicFramePr>
+            <a:graphicFrameLocks noGrp="1"/>
+          </p:cNvGraphicFramePr>
+          <p:nvPr>
+            <p:extLst>
+              <p:ext uri="{D42A27DB-BD31-4B8C-83A1-F6EECF244321}">
+                <p14:modId xmlns:p14="http://schemas.microsoft.com/office/powerpoint/2010/main" val="3374587395"/>
+              </p:ext>
+            </p:extLst>
+          </p:nvPr>
+        </p:nvGraphicFramePr>
+        <p:xfrm>
+          <a:off x="3037537" y="2501900"/>
+          <a:ext cx="6116919" cy="1854200"/>
+        </p:xfrm>
+        <a:graphic>
+          <a:graphicData uri="http://schemas.openxmlformats.org/drawingml/2006/table">
+            <a:tbl>
+              <a:tblPr firstRow="1" bandRow="1">
+                <a:tableStyleId>{37CE84F3-28C3-443E-9E96-99CF82512B78}</a:tableStyleId>
+              </a:tblPr>
+              <a:tblGrid>
+                <a:gridCol w="1840754">
+                  <a:extLst>
+                    <a:ext uri="{9D8B030D-6E8A-4147-A177-3AD203B41FA5}">
+                      <a16:colId xmlns:a16="http://schemas.microsoft.com/office/drawing/2014/main" val="3676100541"/>
+                    </a:ext>
+                  </a:extLst>
+                </a:gridCol>
+                <a:gridCol w="4276165">
+                  <a:extLst>
+                    <a:ext uri="{9D8B030D-6E8A-4147-A177-3AD203B41FA5}">
+                      <a16:colId xmlns:a16="http://schemas.microsoft.com/office/drawing/2014/main" val="2532442310"/>
+                    </a:ext>
+                  </a:extLst>
+                </a:gridCol>
+              </a:tblGrid>
+              <a:tr h="370840">
+                <a:tc>
+                  <a:txBody>
+                    <a:bodyPr/>
+                    <a:lstStyle/>
+                    <a:p>
+                      <a:r>
+                        <a:rPr lang="en-US" dirty="0"/>
+                        <a:t>Params</a:t>
+                      </a:r>
+                    </a:p>
+                  </a:txBody>
+                  <a:tcPr/>
+                </a:tc>
+                <a:tc>
+                  <a:txBody>
+                    <a:bodyPr/>
+                    <a:lstStyle/>
+                    <a:p>
+                      <a:r>
+                        <a:rPr lang="en-US" dirty="0"/>
+                        <a:t>Value</a:t>
+                      </a:r>
+                    </a:p>
+                  </a:txBody>
+                  <a:tcPr/>
+                </a:tc>
+                <a:extLst>
+                  <a:ext uri="{0D108BD9-81ED-4DB2-BD59-A6C34878D82A}">
+                    <a16:rowId xmlns:a16="http://schemas.microsoft.com/office/drawing/2014/main" val="1089064127"/>
+                  </a:ext>
+                </a:extLst>
+              </a:tr>
+              <a:tr h="370840">
+                <a:tc>
+                  <a:txBody>
+                    <a:bodyPr/>
+                    <a:lstStyle/>
+                    <a:p>
+                      <a:r>
+                        <a:rPr lang="en-US" dirty="0"/>
+                        <a:t>C</a:t>
+                      </a:r>
+                    </a:p>
+                  </a:txBody>
+                  <a:tcPr/>
+                </a:tc>
+                <a:tc>
+                  <a:txBody>
+                    <a:bodyPr/>
+                    <a:lstStyle/>
+                    <a:p>
+                      <a:r>
+                        <a:rPr lang="en-US" dirty="0"/>
+                        <a:t>1, 0.1, 0.001, 0.0001, 0.00001, 0.000001</a:t>
+                      </a:r>
+                    </a:p>
+                  </a:txBody>
+                  <a:tcPr/>
+                </a:tc>
+                <a:extLst>
+                  <a:ext uri="{0D108BD9-81ED-4DB2-BD59-A6C34878D82A}">
+                    <a16:rowId xmlns:a16="http://schemas.microsoft.com/office/drawing/2014/main" val="4205901106"/>
+                  </a:ext>
+                </a:extLst>
+              </a:tr>
+              <a:tr h="370840">
+                <a:tc>
+                  <a:txBody>
+                    <a:bodyPr/>
+                    <a:lstStyle/>
+                    <a:p>
+                      <a:r>
+                        <a:rPr lang="en-US" dirty="0"/>
+                        <a:t>Kernel</a:t>
+                      </a:r>
+                    </a:p>
+                  </a:txBody>
+                  <a:tcPr/>
+                </a:tc>
+                <a:tc>
+                  <a:txBody>
+                    <a:bodyPr/>
+                    <a:lstStyle/>
+                    <a:p>
+                      <a:r>
+                        <a:rPr lang="en-US" dirty="0"/>
+                        <a:t>Linear, poly, </a:t>
+                      </a:r>
+                      <a:r>
+                        <a:rPr lang="en-US" dirty="0" err="1"/>
+                        <a:t>rbf</a:t>
+                      </a:r>
+                      <a:endParaRPr lang="en-US" dirty="0"/>
+                    </a:p>
+                  </a:txBody>
+                  <a:tcPr/>
+                </a:tc>
+                <a:extLst>
+                  <a:ext uri="{0D108BD9-81ED-4DB2-BD59-A6C34878D82A}">
+                    <a16:rowId xmlns:a16="http://schemas.microsoft.com/office/drawing/2014/main" val="4087427689"/>
+                  </a:ext>
+                </a:extLst>
+              </a:tr>
+              <a:tr h="370840">
+                <a:tc>
+                  <a:txBody>
+                    <a:bodyPr/>
+                    <a:lstStyle/>
+                    <a:p>
+                      <a:r>
+                        <a:rPr lang="en-US" dirty="0"/>
+                        <a:t>Gamma</a:t>
+                      </a:r>
+                    </a:p>
+                  </a:txBody>
+                  <a:tcPr/>
+                </a:tc>
+                <a:tc>
+                  <a:txBody>
+                    <a:bodyPr/>
+                    <a:lstStyle/>
+                    <a:p>
+                      <a:r>
+                        <a:rPr lang="en-US" dirty="0"/>
+                        <a:t>Scale, auto</a:t>
+                      </a:r>
+                    </a:p>
+                  </a:txBody>
+                  <a:tcPr/>
+                </a:tc>
+                <a:extLst>
+                  <a:ext uri="{0D108BD9-81ED-4DB2-BD59-A6C34878D82A}">
+                    <a16:rowId xmlns:a16="http://schemas.microsoft.com/office/drawing/2014/main" val="2139358454"/>
+                  </a:ext>
+                </a:extLst>
+              </a:tr>
+              <a:tr h="370840">
+                <a:tc>
+                  <a:txBody>
+                    <a:bodyPr/>
+                    <a:lstStyle/>
+                    <a:p>
+                      <a:r>
+                        <a:rPr lang="en-US" dirty="0"/>
+                        <a:t>Random state</a:t>
+                      </a:r>
+                    </a:p>
+                  </a:txBody>
+                  <a:tcPr/>
+                </a:tc>
+                <a:tc>
+                  <a:txBody>
+                    <a:bodyPr/>
+                    <a:lstStyle/>
+                    <a:p>
+                      <a:r>
+                        <a:rPr lang="en-US" dirty="0"/>
+                        <a:t>42</a:t>
+                      </a:r>
+                    </a:p>
+                  </a:txBody>
+                  <a:tcPr/>
+                </a:tc>
+                <a:extLst>
+                  <a:ext uri="{0D108BD9-81ED-4DB2-BD59-A6C34878D82A}">
+                    <a16:rowId xmlns:a16="http://schemas.microsoft.com/office/drawing/2014/main" val="3066943530"/>
+                  </a:ext>
+                </a:extLst>
+              </a:tr>
+            </a:tbl>
+          </a:graphicData>
+        </a:graphic>
+      </p:graphicFrame>
+      <p:sp>
+        <p:nvSpPr>
+          <p:cNvPr id="7" name="TextBox 6">
+            <a:extLst>
+              <a:ext uri="{FF2B5EF4-FFF2-40B4-BE49-F238E27FC236}">
+                <a16:creationId xmlns:a16="http://schemas.microsoft.com/office/drawing/2014/main" id="{010A81AD-05F7-E442-F003-8D9629FD328D}"/>
+              </a:ext>
+            </a:extLst>
+          </p:cNvPr>
+          <p:cNvSpPr txBox="1"/>
+          <p:nvPr/>
+        </p:nvSpPr>
+        <p:spPr>
+          <a:xfrm>
+            <a:off x="414615" y="4728545"/>
+            <a:ext cx="11362765" cy="923330"/>
+          </a:xfrm>
+          <a:prstGeom prst="rect">
+            <a:avLst/>
+          </a:prstGeom>
+          <a:noFill/>
+        </p:spPr>
+        <p:txBody>
+          <a:bodyPr wrap="square" rtlCol="0">
+            <a:spAutoFit/>
+          </a:bodyPr>
+          <a:lstStyle/>
+          <a:p>
+            <a:r>
+              <a:rPr lang="en-ID" dirty="0">
+                <a:effectLst/>
+              </a:rPr>
+              <a:t>The hyperparameter tuning process yielded the optimal result: {'C': 0.001, 'gamma': 'scale', 'kernel': 'poly', '</a:t>
+            </a:r>
+            <a:r>
+              <a:rPr lang="en-ID" dirty="0" err="1">
+                <a:effectLst/>
+              </a:rPr>
+              <a:t>random_state</a:t>
+            </a:r>
+            <a:r>
+              <a:rPr lang="en-ID" dirty="0">
+                <a:effectLst/>
+              </a:rPr>
+              <a:t>': 42}, achieving an accuracy of 91%. Despite exhaustive tuning efforts, the accuracy did not exhibit a notable improvement.</a:t>
+            </a:r>
+          </a:p>
+        </p:txBody>
+      </p:sp>
+    </p:spTree>
+    <p:extLst>
+      <p:ext uri="{BB962C8B-B14F-4D97-AF65-F5344CB8AC3E}">
+        <p14:creationId xmlns:p14="http://schemas.microsoft.com/office/powerpoint/2010/main" val="1466148817"/>
+      </p:ext>
+    </p:extLst>
+  </p:cSld>
+  <p:clrMapOvr>
+    <a:masterClrMapping/>
+  </p:clrMapOvr>
+</p:sld>
+</file>
+
+<file path=ppt/slides/slide18.xml><?xml version="1.0" encoding="utf-8"?>
+<p:sld xmlns:a="http://schemas.openxmlformats.org/drawingml/2006/main" xmlns:r="http://schemas.openxmlformats.org/officeDocument/2006/relationships" xmlns:p="http://schemas.openxmlformats.org/presentationml/2006/main">
+  <p:cSld>
+    <p:spTree>
+      <p:nvGrpSpPr>
+        <p:cNvPr id="1" name=""/>
+        <p:cNvGrpSpPr/>
+        <p:nvPr/>
+      </p:nvGrpSpPr>
+      <p:grpSpPr>
+        <a:xfrm>
+          <a:off x="0" y="0"/>
+          <a:ext cx="0" cy="0"/>
+          <a:chOff x="0" y="0"/>
+          <a:chExt cx="0" cy="0"/>
+        </a:xfrm>
+      </p:grpSpPr>
+      <p:sp>
+        <p:nvSpPr>
+          <p:cNvPr id="4" name="Rectangle 3">
+            <a:extLst>
+              <a:ext uri="{FF2B5EF4-FFF2-40B4-BE49-F238E27FC236}">
+                <a16:creationId xmlns:a16="http://schemas.microsoft.com/office/drawing/2014/main" id="{B2BD046D-D4D3-5C48-9D68-AE42423390A9}"/>
+              </a:ext>
+            </a:extLst>
+          </p:cNvPr>
+          <p:cNvSpPr/>
+          <p:nvPr/>
+        </p:nvSpPr>
+        <p:spPr>
+          <a:xfrm>
+            <a:off x="0" y="0"/>
+            <a:ext cx="12192000" cy="1383912"/>
+          </a:xfrm>
+          <a:prstGeom prst="rect">
+            <a:avLst/>
+          </a:prstGeom>
+          <a:solidFill>
+            <a:schemeClr val="bg2">
+              <a:lumMod val="25000"/>
+            </a:schemeClr>
+          </a:solidFill>
+        </p:spPr>
+        <p:style>
+          <a:lnRef idx="2">
+            <a:schemeClr val="accent1">
+              <a:shade val="50000"/>
+            </a:schemeClr>
+          </a:lnRef>
+          <a:fillRef idx="1">
+            <a:schemeClr val="accent1"/>
+          </a:fillRef>
+          <a:effectRef idx="0">
+            <a:schemeClr val="accent1"/>
+          </a:effectRef>
+          <a:fontRef idx="minor">
+            <a:schemeClr val="lt1"/>
+          </a:fontRef>
+        </p:style>
+        <p:txBody>
+          <a:bodyPr rtlCol="0" anchor="ctr"/>
+          <a:lstStyle/>
+          <a:p>
+            <a:r>
+              <a:rPr lang="en-US" sz="4400" dirty="0">
+                <a:solidFill>
+                  <a:schemeClr val="accent2"/>
+                </a:solidFill>
+                <a:latin typeface="+mj-lt"/>
+              </a:rPr>
+              <a:t>      ML </a:t>
+            </a:r>
+            <a:r>
+              <a:rPr lang="en-US" sz="4400" b="1" dirty="0">
+                <a:solidFill>
+                  <a:schemeClr val="accent2"/>
+                </a:solidFill>
+                <a:latin typeface="+mj-lt"/>
+              </a:rPr>
+              <a:t>Solutions</a:t>
+            </a:r>
+          </a:p>
+        </p:txBody>
+      </p:sp>
+      <p:sp>
+        <p:nvSpPr>
+          <p:cNvPr id="7" name="TextBox 6">
+            <a:extLst>
+              <a:ext uri="{FF2B5EF4-FFF2-40B4-BE49-F238E27FC236}">
+                <a16:creationId xmlns:a16="http://schemas.microsoft.com/office/drawing/2014/main" id="{010A81AD-05F7-E442-F003-8D9629FD328D}"/>
+              </a:ext>
+            </a:extLst>
+          </p:cNvPr>
+          <p:cNvSpPr txBox="1"/>
+          <p:nvPr/>
+        </p:nvSpPr>
+        <p:spPr>
+          <a:xfrm>
+            <a:off x="414617" y="5306768"/>
+            <a:ext cx="11362765" cy="369332"/>
+          </a:xfrm>
+          <a:prstGeom prst="rect">
+            <a:avLst/>
+          </a:prstGeom>
+          <a:noFill/>
+        </p:spPr>
+        <p:txBody>
+          <a:bodyPr wrap="square" rtlCol="0">
+            <a:spAutoFit/>
+          </a:bodyPr>
+          <a:lstStyle/>
+          <a:p>
+            <a:r>
+              <a:rPr lang="en-ID" dirty="0">
+                <a:effectLst/>
+              </a:rPr>
+              <a:t>Despite implementing this method, the ROC results did not reach their optimal performance.</a:t>
+            </a:r>
+          </a:p>
+        </p:txBody>
+      </p:sp>
+      <p:pic>
+        <p:nvPicPr>
+          <p:cNvPr id="5" name="Picture 4">
+            <a:extLst>
+              <a:ext uri="{FF2B5EF4-FFF2-40B4-BE49-F238E27FC236}">
+                <a16:creationId xmlns:a16="http://schemas.microsoft.com/office/drawing/2014/main" id="{21461494-84D4-7298-DDEF-0CF923C1F2BA}"/>
+              </a:ext>
+            </a:extLst>
+          </p:cNvPr>
+          <p:cNvPicPr>
+            <a:picLocks noChangeAspect="1"/>
+          </p:cNvPicPr>
+          <p:nvPr/>
+        </p:nvPicPr>
+        <p:blipFill>
+          <a:blip r:embed="rId2"/>
+          <a:stretch>
+            <a:fillRect/>
+          </a:stretch>
+        </p:blipFill>
+        <p:spPr>
+          <a:xfrm>
+            <a:off x="3769737" y="1616371"/>
+            <a:ext cx="4652524" cy="3625257"/>
+          </a:xfrm>
+          <a:prstGeom prst="rect">
+            <a:avLst/>
+          </a:prstGeom>
+        </p:spPr>
+      </p:pic>
+    </p:spTree>
+    <p:extLst>
+      <p:ext uri="{BB962C8B-B14F-4D97-AF65-F5344CB8AC3E}">
+        <p14:creationId xmlns:p14="http://schemas.microsoft.com/office/powerpoint/2010/main" val="1141292563"/>
+      </p:ext>
+    </p:extLst>
+  </p:cSld>
+  <p:clrMapOvr>
+    <a:masterClrMapping/>
+  </p:clrMapOvr>
+</p:sld>
+</file>
+
+<file path=ppt/slides/slide19.xml><?xml version="1.0" encoding="utf-8"?>
+<p:sld xmlns:a="http://schemas.openxmlformats.org/drawingml/2006/main" xmlns:r="http://schemas.openxmlformats.org/officeDocument/2006/relationships" xmlns:p="http://schemas.openxmlformats.org/presentationml/2006/main">
+  <p:cSld>
+    <p:spTree>
+      <p:nvGrpSpPr>
+        <p:cNvPr id="1" name=""/>
+        <p:cNvGrpSpPr/>
+        <p:nvPr/>
+      </p:nvGrpSpPr>
+      <p:grpSpPr>
+        <a:xfrm>
+          <a:off x="0" y="0"/>
+          <a:ext cx="0" cy="0"/>
+          <a:chOff x="0" y="0"/>
+          <a:chExt cx="0" cy="0"/>
+        </a:xfrm>
+      </p:grpSpPr>
+      <p:sp>
+        <p:nvSpPr>
+          <p:cNvPr id="9" name="TextBox 8">
+            <a:extLst>
+              <a:ext uri="{FF2B5EF4-FFF2-40B4-BE49-F238E27FC236}">
+                <a16:creationId xmlns:a16="http://schemas.microsoft.com/office/drawing/2014/main" id="{0087AA53-A2BE-554B-AAE4-C6D527006499}"/>
+              </a:ext>
+            </a:extLst>
+          </p:cNvPr>
+          <p:cNvSpPr txBox="1"/>
+          <p:nvPr/>
+        </p:nvSpPr>
+        <p:spPr>
+          <a:xfrm>
+            <a:off x="762000" y="1595021"/>
+            <a:ext cx="10706100" cy="464871"/>
+          </a:xfrm>
+          <a:prstGeom prst="rect">
+            <a:avLst/>
+          </a:prstGeom>
+          <a:noFill/>
+        </p:spPr>
+        <p:txBody>
+          <a:bodyPr wrap="square" rtlCol="0">
+            <a:spAutoFit/>
+          </a:bodyPr>
+          <a:lstStyle/>
+          <a:p>
+            <a:pPr>
+              <a:lnSpc>
+                <a:spcPct val="150000"/>
+              </a:lnSpc>
+            </a:pPr>
+            <a:r>
+              <a:rPr lang="en-US" dirty="0">
+                <a:hlinkClick r:id="rId2"/>
+              </a:rPr>
+              <a:t>https://github.com/MuhammadNurilHuda/Bank-Marketing-Campaign</a:t>
+            </a:r>
+            <a:r>
+              <a:rPr lang="en-US" dirty="0"/>
+              <a:t> </a:t>
+            </a:r>
+          </a:p>
+        </p:txBody>
+      </p:sp>
+      <p:sp>
+        <p:nvSpPr>
+          <p:cNvPr id="4" name="Rectangle 3">
+            <a:extLst>
+              <a:ext uri="{FF2B5EF4-FFF2-40B4-BE49-F238E27FC236}">
+                <a16:creationId xmlns:a16="http://schemas.microsoft.com/office/drawing/2014/main" id="{B2BD046D-D4D3-5C48-9D68-AE42423390A9}"/>
+              </a:ext>
+            </a:extLst>
+          </p:cNvPr>
+          <p:cNvSpPr/>
+          <p:nvPr/>
+        </p:nvSpPr>
+        <p:spPr>
+          <a:xfrm>
+            <a:off x="0" y="0"/>
+            <a:ext cx="12192000" cy="1383912"/>
+          </a:xfrm>
+          <a:prstGeom prst="rect">
+            <a:avLst/>
+          </a:prstGeom>
+          <a:solidFill>
+            <a:schemeClr val="bg2">
+              <a:lumMod val="25000"/>
+            </a:schemeClr>
+          </a:solidFill>
+        </p:spPr>
+        <p:style>
+          <a:lnRef idx="2">
+            <a:schemeClr val="accent1">
+              <a:shade val="50000"/>
+            </a:schemeClr>
+          </a:lnRef>
+          <a:fillRef idx="1">
+            <a:schemeClr val="accent1"/>
+          </a:fillRef>
+          <a:effectRef idx="0">
+            <a:schemeClr val="accent1"/>
+          </a:effectRef>
+          <a:fontRef idx="minor">
+            <a:schemeClr val="lt1"/>
+          </a:fontRef>
+        </p:style>
+        <p:txBody>
+          <a:bodyPr rtlCol="0" anchor="ctr"/>
+          <a:lstStyle/>
+          <a:p>
+            <a:r>
+              <a:rPr lang="en-US" sz="4400" dirty="0">
+                <a:solidFill>
+                  <a:schemeClr val="accent2"/>
+                </a:solidFill>
+                <a:latin typeface="+mj-lt"/>
+              </a:rPr>
+              <a:t>      Code Link</a:t>
+            </a:r>
+            <a:endParaRPr lang="en-US" sz="4400" b="1" dirty="0">
+              <a:solidFill>
+                <a:schemeClr val="accent2"/>
+              </a:solidFill>
+              <a:latin typeface="+mj-lt"/>
+            </a:endParaRPr>
+          </a:p>
+        </p:txBody>
+      </p:sp>
+    </p:spTree>
+    <p:extLst>
+      <p:ext uri="{BB962C8B-B14F-4D97-AF65-F5344CB8AC3E}">
+        <p14:creationId xmlns:p14="http://schemas.microsoft.com/office/powerpoint/2010/main" val="2203289800"/>
       </p:ext>
     </p:extLst>
   </p:cSld>
@@ -4751,6 +5762,162 @@
     <p:extLst>
       <p:ext uri="{BB962C8B-B14F-4D97-AF65-F5344CB8AC3E}">
         <p14:creationId xmlns:p14="http://schemas.microsoft.com/office/powerpoint/2010/main" val="3504532453"/>
+      </p:ext>
+    </p:extLst>
+  </p:cSld>
+  <p:clrMapOvr>
+    <a:masterClrMapping/>
+  </p:clrMapOvr>
+</p:sld>
+</file>
+
+<file path=ppt/slides/slide20.xml><?xml version="1.0" encoding="utf-8"?>
+<p:sld xmlns:a="http://schemas.openxmlformats.org/drawingml/2006/main" xmlns:r="http://schemas.openxmlformats.org/officeDocument/2006/relationships" xmlns:p="http://schemas.openxmlformats.org/presentationml/2006/main">
+  <p:cSld>
+    <p:spTree>
+      <p:nvGrpSpPr>
+        <p:cNvPr id="1" name=""/>
+        <p:cNvGrpSpPr/>
+        <p:nvPr/>
+      </p:nvGrpSpPr>
+      <p:grpSpPr>
+        <a:xfrm>
+          <a:off x="0" y="0"/>
+          <a:ext cx="0" cy="0"/>
+          <a:chOff x="0" y="0"/>
+          <a:chExt cx="0" cy="0"/>
+        </a:xfrm>
+      </p:grpSpPr>
+      <p:sp>
+        <p:nvSpPr>
+          <p:cNvPr id="6" name="Subtitle 5">
+            <a:extLst>
+              <a:ext uri="{FF2B5EF4-FFF2-40B4-BE49-F238E27FC236}">
+                <a16:creationId xmlns:a16="http://schemas.microsoft.com/office/drawing/2014/main" id="{2D4BA697-580E-5544-8F2F-194AD99B859F}"/>
+              </a:ext>
+            </a:extLst>
+          </p:cNvPr>
+          <p:cNvSpPr>
+            <a:spLocks noGrp="1"/>
+          </p:cNvSpPr>
+          <p:nvPr>
+            <p:ph type="subTitle" idx="1"/>
+          </p:nvPr>
+        </p:nvSpPr>
+        <p:spPr>
+          <a:xfrm>
+            <a:off x="5872480" y="2601119"/>
+            <a:ext cx="5558973" cy="1655762"/>
+          </a:xfrm>
+        </p:spPr>
+        <p:txBody>
+          <a:bodyPr>
+            <a:normAutofit/>
+          </a:bodyPr>
+          <a:lstStyle/>
+          <a:p>
+            <a:r>
+              <a:rPr lang="en-US" sz="6600" dirty="0">
+                <a:solidFill>
+                  <a:srgbClr val="FF6600"/>
+                </a:solidFill>
+              </a:rPr>
+              <a:t>Thank You</a:t>
+            </a:r>
+          </a:p>
+          <a:p>
+            <a:endParaRPr lang="en-US" sz="6600" dirty="0">
+              <a:solidFill>
+                <a:srgbClr val="FF6600"/>
+              </a:solidFill>
+            </a:endParaRPr>
+          </a:p>
+        </p:txBody>
+      </p:sp>
+      <p:sp>
+        <p:nvSpPr>
+          <p:cNvPr id="3" name="Rectangle 2">
+            <a:extLst>
+              <a:ext uri="{FF2B5EF4-FFF2-40B4-BE49-F238E27FC236}">
+                <a16:creationId xmlns:a16="http://schemas.microsoft.com/office/drawing/2014/main" id="{49C08CB0-2E68-164C-9080-887E2D20B522}"/>
+              </a:ext>
+            </a:extLst>
+          </p:cNvPr>
+          <p:cNvSpPr/>
+          <p:nvPr/>
+        </p:nvSpPr>
+        <p:spPr>
+          <a:xfrm>
+            <a:off x="0" y="0"/>
+            <a:ext cx="5872480" cy="6858000"/>
+          </a:xfrm>
+          <a:prstGeom prst="rect">
+            <a:avLst/>
+          </a:prstGeom>
+          <a:solidFill>
+            <a:schemeClr val="bg2">
+              <a:lumMod val="25000"/>
+            </a:schemeClr>
+          </a:solidFill>
+        </p:spPr>
+        <p:style>
+          <a:lnRef idx="2">
+            <a:schemeClr val="accent1">
+              <a:shade val="50000"/>
+            </a:schemeClr>
+          </a:lnRef>
+          <a:fillRef idx="1">
+            <a:schemeClr val="accent1"/>
+          </a:fillRef>
+          <a:effectRef idx="0">
+            <a:schemeClr val="accent1"/>
+          </a:effectRef>
+          <a:fontRef idx="minor">
+            <a:schemeClr val="lt1"/>
+          </a:fontRef>
+        </p:style>
+        <p:txBody>
+          <a:bodyPr rtlCol="0" anchor="ctr"/>
+          <a:lstStyle/>
+          <a:p>
+            <a:pPr algn="ctr"/>
+            <a:endParaRPr lang="en-US"/>
+          </a:p>
+        </p:txBody>
+      </p:sp>
+      <p:pic>
+        <p:nvPicPr>
+          <p:cNvPr id="7" name="Picture 6">
+            <a:extLst>
+              <a:ext uri="{FF2B5EF4-FFF2-40B4-BE49-F238E27FC236}">
+                <a16:creationId xmlns:a16="http://schemas.microsoft.com/office/drawing/2014/main" id="{B067532E-7508-4245-8E91-38CA363A61A7}"/>
+              </a:ext>
+            </a:extLst>
+          </p:cNvPr>
+          <p:cNvPicPr>
+            <a:picLocks noChangeAspect="1"/>
+          </p:cNvPicPr>
+          <p:nvPr/>
+        </p:nvPicPr>
+        <p:blipFill>
+          <a:blip r:embed="rId2"/>
+          <a:srcRect/>
+          <a:stretch/>
+        </p:blipFill>
+        <p:spPr>
+          <a:xfrm>
+            <a:off x="312890" y="5542671"/>
+            <a:ext cx="1698790" cy="1698790"/>
+          </a:xfrm>
+          <a:prstGeom prst="rect">
+            <a:avLst/>
+          </a:prstGeom>
+        </p:spPr>
+      </p:pic>
+    </p:spTree>
+    <p:extLst>
+      <p:ext uri="{BB962C8B-B14F-4D97-AF65-F5344CB8AC3E}">
+        <p14:creationId xmlns:p14="http://schemas.microsoft.com/office/powerpoint/2010/main" val="1067902553"/>
       </p:ext>
     </p:extLst>
   </p:cSld>
